--- a/files/post1-shendian.pptx
+++ b/files/post1-shendian.pptx
@@ -10907,13 +10907,22 @@
               <a:defRPr/>
             </a:pPr>
             <a:r>
-              <a:rPr lang="zh-CN" altLang="en-US" sz="2000" b="1" dirty="0">
+              <a:rPr lang="zh-CN" altLang="en-US" sz="2000" b="1" dirty="0" smtClean="0">
                 <a:solidFill>
                   <a:prstClr val="black"/>
                 </a:solidFill>
                 <a:ea typeface="黑体" panose="02010609060101010101" pitchFamily="49" charset="-122"/>
               </a:rPr>
-              <a:t>数据</a:t>
+              <a:t>项目</a:t>
+            </a:r>
+            <a:r>
+              <a:rPr lang="en-US" altLang="zh-CN" sz="2000" b="1" dirty="0" smtClean="0">
+                <a:solidFill>
+                  <a:prstClr val="black"/>
+                </a:solidFill>
+                <a:ea typeface="黑体" panose="02010609060101010101" pitchFamily="49" charset="-122"/>
+              </a:rPr>
+              <a:t>1</a:t>
             </a:r>
             <a:r>
               <a:rPr lang="zh-CN" altLang="en-US" sz="2000" b="1" dirty="0" smtClean="0">
@@ -10922,7 +10931,7 @@
                 </a:solidFill>
                 <a:ea typeface="黑体" panose="02010609060101010101" pitchFamily="49" charset="-122"/>
               </a:rPr>
-              <a:t>中心流量拼接，华为合作项目</a:t>
+              <a:t>：数据中心流量拼接，华为合作项目</a:t>
             </a:r>
             <a:endParaRPr lang="en-US" altLang="zh-CN" sz="2000" b="1" dirty="0">
               <a:solidFill>
@@ -10985,7 +10994,25 @@
                 </a:solidFill>
                 <a:ea typeface="黑体" panose="02010609060101010101" pitchFamily="49" charset="-122"/>
               </a:rPr>
-              <a:t>云管理平台，南钢合作项目</a:t>
+              <a:t>项目</a:t>
+            </a:r>
+            <a:r>
+              <a:rPr lang="en-US" altLang="zh-CN" sz="2000" b="1" dirty="0" smtClean="0">
+                <a:solidFill>
+                  <a:prstClr val="black"/>
+                </a:solidFill>
+                <a:ea typeface="黑体" panose="02010609060101010101" pitchFamily="49" charset="-122"/>
+              </a:rPr>
+              <a:t>2</a:t>
+            </a:r>
+            <a:r>
+              <a:rPr lang="zh-CN" altLang="en-US" sz="2000" b="1" dirty="0" smtClean="0">
+                <a:solidFill>
+                  <a:prstClr val="black"/>
+                </a:solidFill>
+                <a:ea typeface="黑体" panose="02010609060101010101" pitchFamily="49" charset="-122"/>
+              </a:rPr>
+              <a:t>：云管理平台，南钢合作项目</a:t>
             </a:r>
             <a:endParaRPr lang="en-US" altLang="zh-CN" sz="2000" b="1" dirty="0" smtClean="0">
               <a:solidFill>
@@ -11038,7 +11065,7 @@
               <a:rPr lang="zh-CN" altLang="en-US" dirty="0" smtClean="0">
                 <a:ea typeface="黑体" panose="02010609060101010101" pitchFamily="49" charset="-122"/>
               </a:rPr>
-              <a:t>：郭晓琳</a:t>
+              <a:t>：郭晓琳、孙泽雯</a:t>
             </a:r>
             <a:endParaRPr lang="en-US" altLang="zh-CN" dirty="0">
               <a:ea typeface="黑体" panose="02010609060101010101" pitchFamily="49" charset="-122"/>
@@ -11054,41 +11081,101 @@
               <a:defRPr/>
             </a:pPr>
             <a:r>
+              <a:rPr lang="zh-CN" altLang="en-US" sz="2000" b="1" dirty="0" smtClean="0">
+                <a:solidFill>
+                  <a:prstClr val="black"/>
+                </a:solidFill>
+                <a:ea typeface="黑体" panose="02010609060101010101" pitchFamily="49" charset="-122"/>
+              </a:rPr>
+              <a:t>文章</a:t>
+            </a:r>
+            <a:r>
               <a:rPr lang="en-US" altLang="zh-CN" sz="2000" b="1" dirty="0" smtClean="0">
                 <a:solidFill>
                   <a:prstClr val="black"/>
                 </a:solidFill>
                 <a:ea typeface="黑体" panose="02010609060101010101" pitchFamily="49" charset="-122"/>
               </a:rPr>
+              <a:t>1</a:t>
+            </a:r>
+            <a:r>
+              <a:rPr lang="zh-CN" altLang="en-US" sz="2000" b="1" dirty="0" smtClean="0">
+                <a:solidFill>
+                  <a:prstClr val="black"/>
+                </a:solidFill>
+                <a:ea typeface="黑体" panose="02010609060101010101" pitchFamily="49" charset="-122"/>
+              </a:rPr>
+              <a:t>：</a:t>
+            </a:r>
+            <a:r>
+              <a:rPr lang="en-US" altLang="zh-CN" sz="2000" b="1" dirty="0">
+                <a:solidFill>
+                  <a:prstClr val="black"/>
+                </a:solidFill>
+                <a:ea typeface="黑体" panose="02010609060101010101" pitchFamily="49" charset="-122"/>
+              </a:rPr>
               <a:t>RDMA</a:t>
             </a:r>
             <a:r>
+              <a:rPr lang="zh-CN" altLang="en-US" sz="2000" b="1" dirty="0">
+                <a:solidFill>
+                  <a:prstClr val="black"/>
+                </a:solidFill>
+                <a:ea typeface="黑体" panose="02010609060101010101" pitchFamily="49" charset="-122"/>
+              </a:rPr>
+              <a:t>分布式资源优化，拟投</a:t>
+            </a:r>
+            <a:r>
+              <a:rPr lang="en-US" altLang="zh-CN" sz="2000" b="1" dirty="0" err="1">
+                <a:solidFill>
+                  <a:prstClr val="black"/>
+                </a:solidFill>
+                <a:ea typeface="黑体" panose="02010609060101010101" pitchFamily="49" charset="-122"/>
+              </a:rPr>
+              <a:t>Infocom</a:t>
+            </a:r>
+            <a:r>
+              <a:rPr lang="en-US" altLang="zh-CN" sz="2000" b="1" dirty="0">
+                <a:solidFill>
+                  <a:prstClr val="black"/>
+                </a:solidFill>
+                <a:ea typeface="黑体" panose="02010609060101010101" pitchFamily="49" charset="-122"/>
+              </a:rPr>
+              <a:t> </a:t>
+            </a:r>
+            <a:r>
+              <a:rPr lang="en-US" altLang="zh-CN" sz="2000" b="1" dirty="0" smtClean="0">
+                <a:solidFill>
+                  <a:prstClr val="black"/>
+                </a:solidFill>
+                <a:ea typeface="黑体" panose="02010609060101010101" pitchFamily="49" charset="-122"/>
+              </a:rPr>
+              <a:t>2020</a:t>
+            </a:r>
+            <a:r>
               <a:rPr lang="zh-CN" altLang="en-US" sz="2000" b="1" dirty="0" smtClean="0">
                 <a:solidFill>
                   <a:prstClr val="black"/>
                 </a:solidFill>
                 <a:ea typeface="黑体" panose="02010609060101010101" pitchFamily="49" charset="-122"/>
               </a:rPr>
-              <a:t>参数选择，拟投</a:t>
-            </a:r>
-            <a:r>
-              <a:rPr lang="en-US" altLang="zh-CN" sz="2000" b="1" dirty="0" err="1" smtClean="0">
+              <a:t>，截稿：</a:t>
+            </a:r>
+            <a:r>
+              <a:rPr lang="en-US" altLang="zh-CN" sz="2000" b="1" dirty="0" smtClean="0">
                 <a:solidFill>
                   <a:prstClr val="black"/>
                 </a:solidFill>
                 <a:ea typeface="黑体" panose="02010609060101010101" pitchFamily="49" charset="-122"/>
               </a:rPr>
-              <a:t>APNets</a:t>
-            </a:r>
-            <a:r>
-              <a:rPr lang="en-US" altLang="zh-CN" sz="2000" b="1" dirty="0" smtClean="0">
-                <a:solidFill>
-                  <a:prstClr val="black"/>
-                </a:solidFill>
-                <a:ea typeface="黑体" panose="02010609060101010101" pitchFamily="49" charset="-122"/>
-              </a:rPr>
-              <a:t> 2019</a:t>
-            </a:r>
+              <a:t>19.7.31</a:t>
+            </a:r>
+            <a:endParaRPr lang="en-US" altLang="zh-CN" sz="2000" b="1" dirty="0">
+              <a:solidFill>
+                <a:prstClr val="black"/>
+              </a:solidFill>
+              <a:ea typeface="黑体" panose="02010609060101010101" pitchFamily="49" charset="-122"/>
+            </a:endParaRPr>
           </a:p>
           <a:p>
             <a:pPr lvl="1">
@@ -11103,13 +11190,26 @@
               <a:rPr lang="zh-CN" altLang="en-US" dirty="0">
                 <a:ea typeface="黑体" panose="02010609060101010101" pitchFamily="49" charset="-122"/>
               </a:rPr>
-              <a:t>牵头人</a:t>
-            </a:r>
-            <a:r>
-              <a:rPr lang="zh-CN" altLang="en-US" dirty="0" smtClean="0">
-                <a:ea typeface="黑体" panose="02010609060101010101" pitchFamily="49" charset="-122"/>
-              </a:rPr>
-              <a:t>：王凯</a:t>
+              <a:t>牵头人：沈典</a:t>
+            </a:r>
+            <a:endParaRPr lang="en-US" altLang="zh-CN" dirty="0">
+              <a:ea typeface="黑体" panose="02010609060101010101" pitchFamily="49" charset="-122"/>
+            </a:endParaRPr>
+          </a:p>
+          <a:p>
+            <a:pPr lvl="1">
+              <a:lnSpc>
+                <a:spcPct val="125000"/>
+              </a:lnSpc>
+              <a:buFont typeface="Wingdings" panose="05000000000000000000" pitchFamily="2" charset="2"/>
+              <a:buChar char="q"/>
+              <a:defRPr/>
+            </a:pPr>
+            <a:r>
+              <a:rPr lang="zh-CN" altLang="en-US" dirty="0">
+                <a:ea typeface="黑体" panose="02010609060101010101" pitchFamily="49" charset="-122"/>
+              </a:rPr>
+              <a:t>参与人：郭晓琳（副）、王凯</a:t>
             </a:r>
             <a:endParaRPr lang="en-US" altLang="zh-CN" dirty="0">
               <a:ea typeface="黑体" panose="02010609060101010101" pitchFamily="49" charset="-122"/>
@@ -11125,12 +11225,39 @@
               <a:defRPr/>
             </a:pPr>
             <a:r>
+              <a:rPr lang="zh-CN" altLang="en-US" sz="2000" b="1" dirty="0" smtClean="0">
+                <a:solidFill>
+                  <a:prstClr val="black"/>
+                </a:solidFill>
+                <a:ea typeface="黑体" panose="02010609060101010101" pitchFamily="49" charset="-122"/>
+              </a:rPr>
+              <a:t>文章</a:t>
+            </a:r>
+            <a:r>
               <a:rPr lang="en-US" altLang="zh-CN" sz="2000" b="1" dirty="0" smtClean="0">
                 <a:solidFill>
                   <a:prstClr val="black"/>
                 </a:solidFill>
                 <a:ea typeface="黑体" panose="02010609060101010101" pitchFamily="49" charset="-122"/>
               </a:rPr>
+              <a:t>2</a:t>
+            </a:r>
+            <a:r>
+              <a:rPr lang="zh-CN" altLang="en-US" sz="2000" b="1" dirty="0" smtClean="0">
+                <a:solidFill>
+                  <a:prstClr val="black"/>
+                </a:solidFill>
+                <a:ea typeface="黑体" panose="02010609060101010101" pitchFamily="49" charset="-122"/>
+              </a:rPr>
+              <a:t>：</a:t>
+            </a:r>
+            <a:r>
+              <a:rPr lang="en-US" altLang="zh-CN" sz="2000" b="1" dirty="0" smtClean="0">
+                <a:solidFill>
+                  <a:prstClr val="black"/>
+                </a:solidFill>
+                <a:ea typeface="黑体" panose="02010609060101010101" pitchFamily="49" charset="-122"/>
+              </a:rPr>
               <a:t>RDMA</a:t>
             </a:r>
             <a:r>
@@ -11140,7 +11267,7 @@
                 </a:solidFill>
                 <a:ea typeface="黑体" panose="02010609060101010101" pitchFamily="49" charset="-122"/>
               </a:rPr>
-              <a:t>分布式资源优化，拟投</a:t>
+              <a:t>参数选择，拟投</a:t>
             </a:r>
             <a:r>
               <a:rPr lang="en-US" altLang="zh-CN" sz="2000" b="1" dirty="0" err="1" smtClean="0">
@@ -11149,7 +11276,7 @@
                 </a:solidFill>
                 <a:ea typeface="黑体" panose="02010609060101010101" pitchFamily="49" charset="-122"/>
               </a:rPr>
-              <a:t>Infocom</a:t>
+              <a:t>APNets</a:t>
             </a:r>
             <a:r>
               <a:rPr lang="en-US" altLang="zh-CN" sz="2000" b="1" dirty="0" smtClean="0">
@@ -11160,7 +11287,25 @@
               </a:rPr>
               <a:t> 2019</a:t>
             </a:r>
-            <a:endParaRPr lang="en-US" altLang="zh-CN" sz="2000" b="1" dirty="0">
+            <a:r>
+              <a:rPr lang="zh-CN" altLang="en-US" sz="2000" b="1" dirty="0" smtClean="0">
+                <a:solidFill>
+                  <a:prstClr val="black"/>
+                </a:solidFill>
+                <a:ea typeface="黑体" panose="02010609060101010101" pitchFamily="49" charset="-122"/>
+              </a:rPr>
+              <a:t>，截稿：</a:t>
+            </a:r>
+            <a:r>
+              <a:rPr lang="en-US" altLang="zh-CN" sz="2000" b="1" smtClean="0">
+                <a:solidFill>
+                  <a:prstClr val="black"/>
+                </a:solidFill>
+                <a:ea typeface="黑体" panose="02010609060101010101" pitchFamily="49" charset="-122"/>
+              </a:rPr>
+              <a:t>19.5.3</a:t>
+            </a:r>
+            <a:endParaRPr lang="en-US" altLang="zh-CN" sz="2000" b="1" dirty="0" smtClean="0">
               <a:solidFill>
                 <a:prstClr val="black"/>
               </a:solidFill>
@@ -11186,40 +11331,9 @@
               <a:rPr lang="zh-CN" altLang="en-US" dirty="0" smtClean="0">
                 <a:ea typeface="黑体" panose="02010609060101010101" pitchFamily="49" charset="-122"/>
               </a:rPr>
-              <a:t>：</a:t>
-            </a:r>
-            <a:r>
-              <a:rPr lang="zh-CN" altLang="en-US" dirty="0">
-                <a:ea typeface="黑体" panose="02010609060101010101" pitchFamily="49" charset="-122"/>
-              </a:rPr>
-              <a:t>沈典</a:t>
+              <a:t>：王凯</a:t>
             </a:r>
             <a:endParaRPr lang="en-US" altLang="zh-CN" dirty="0">
-              <a:ea typeface="黑体" panose="02010609060101010101" pitchFamily="49" charset="-122"/>
-            </a:endParaRPr>
-          </a:p>
-          <a:p>
-            <a:pPr lvl="1">
-              <a:lnSpc>
-                <a:spcPct val="125000"/>
-              </a:lnSpc>
-              <a:buFont typeface="Wingdings" panose="05000000000000000000" pitchFamily="2" charset="2"/>
-              <a:buChar char="q"/>
-              <a:defRPr/>
-            </a:pPr>
-            <a:r>
-              <a:rPr lang="zh-CN" altLang="en-US" dirty="0">
-                <a:ea typeface="黑体" panose="02010609060101010101" pitchFamily="49" charset="-122"/>
-              </a:rPr>
-              <a:t>参与人：郭晓</a:t>
-            </a:r>
-            <a:r>
-              <a:rPr lang="zh-CN" altLang="en-US" dirty="0" smtClean="0">
-                <a:ea typeface="黑体" panose="02010609060101010101" pitchFamily="49" charset="-122"/>
-              </a:rPr>
-              <a:t>琳（副）、王凯</a:t>
-            </a:r>
-            <a:endParaRPr lang="en-US" altLang="zh-CN" dirty="0" smtClean="0">
               <a:ea typeface="黑体" panose="02010609060101010101" pitchFamily="49" charset="-122"/>
             </a:endParaRPr>
           </a:p>
@@ -11247,8 +11361,8 @@
         </p:nvSpPr>
         <p:spPr>
           <a:xfrm>
-            <a:off x="4523435" y="5544545"/>
-            <a:ext cx="4369740" cy="784830"/>
+            <a:off x="3707904" y="5687452"/>
+            <a:ext cx="5471604" cy="784830"/>
           </a:xfrm>
           <a:prstGeom prst="rect">
             <a:avLst/>
@@ -11273,7 +11387,39 @@
                 </a:solidFill>
                 <a:ea typeface="黑体" panose="02010609060101010101" pitchFamily="49" charset="-122"/>
               </a:rPr>
-              <a:t>组会讨论内容围绕上述计划的相关技术、论文展开</a:t>
+              <a:t>组会讨论内容围绕上述计划的相关技术、论文</a:t>
+            </a:r>
+            <a:r>
+              <a:rPr lang="zh-CN" altLang="en-US" dirty="0" smtClean="0">
+                <a:solidFill>
+                  <a:srgbClr val="FF0000"/>
+                </a:solidFill>
+                <a:ea typeface="黑体" panose="02010609060101010101" pitchFamily="49" charset="-122"/>
+              </a:rPr>
+              <a:t>展开</a:t>
+            </a:r>
+            <a:endParaRPr lang="en-US" altLang="zh-CN" dirty="0" smtClean="0">
+              <a:solidFill>
+                <a:srgbClr val="FF0000"/>
+              </a:solidFill>
+              <a:ea typeface="黑体" panose="02010609060101010101" pitchFamily="49" charset="-122"/>
+            </a:endParaRPr>
+          </a:p>
+          <a:p>
+            <a:pPr>
+              <a:lnSpc>
+                <a:spcPct val="125000"/>
+              </a:lnSpc>
+              <a:defRPr/>
+            </a:pPr>
+            <a:r>
+              <a:rPr lang="zh-CN" altLang="en-US" dirty="0" smtClean="0">
+                <a:solidFill>
+                  <a:srgbClr val="FF0000"/>
+                </a:solidFill>
+                <a:ea typeface="黑体" panose="02010609060101010101" pitchFamily="49" charset="-122"/>
+              </a:rPr>
+              <a:t>每次组会一个主题报告，然后分别报告任务进展</a:t>
             </a:r>
             <a:endParaRPr lang="en-US" altLang="zh-CN" dirty="0">
               <a:solidFill>
